--- a/ServiceInteractions/riv/ehr/accesscontrol/trunk/docs/ehr_accesscontrol.pptx
+++ b/ServiceInteractions/riv/ehr/accesscontrol/trunk/docs/ehr_accesscontrol.pptx
@@ -203,7 +203,7 @@
             <a:fld id="{A1CCCE65-3320-6145-9FE0-1D4F0AE2F80D}" type="datetimeFigureOut">
               <a:rPr lang="sv-SE" smtClean="0"/>
               <a:pPr/>
-              <a:t>2014-06-02</a:t>
+              <a:t>2014-06-18</a:t>
             </a:fld>
             <a:endParaRPr lang="sv-SE"/>
           </a:p>
@@ -370,7 +370,7 @@
             <a:fld id="{48064D6E-32A5-4333-B2C8-253366DFFB1E}" type="datetimeFigureOut">
               <a:rPr lang="sv-SE" smtClean="0"/>
               <a:pPr/>
-              <a:t>2014-06-02</a:t>
+              <a:t>2014-06-18</a:t>
             </a:fld>
             <a:endParaRPr lang="sv-SE"/>
           </a:p>
@@ -807,7 +807,7 @@
             <a:fld id="{793AEFA7-59BA-446D-B708-A2D615D75329}" type="datetimeFigureOut">
               <a:rPr lang="sv-SE" smtClean="0"/>
               <a:pPr defTabSz="895350"/>
-              <a:t>2014-06-02</a:t>
+              <a:t>2014-06-18</a:t>
             </a:fld>
             <a:r>
               <a:rPr lang="sv-SE" dirty="0" smtClean="0"/>
@@ -1282,7 +1282,7 @@
             <a:fld id="{793AEFA7-59BA-446D-B708-A2D615D75329}" type="datetimeFigureOut">
               <a:rPr lang="sv-SE" smtClean="0"/>
               <a:pPr defTabSz="895350"/>
-              <a:t>2014-06-02</a:t>
+              <a:t>2014-06-18</a:t>
             </a:fld>
             <a:r>
               <a:rPr lang="sv-SE" dirty="0" smtClean="0"/>
@@ -1740,7 +1740,7 @@
             <a:fld id="{793AEFA7-59BA-446D-B708-A2D615D75329}" type="datetimeFigureOut">
               <a:rPr lang="sv-SE" smtClean="0"/>
               <a:pPr defTabSz="895350"/>
-              <a:t>2014-06-02</a:t>
+              <a:t>2014-06-18</a:t>
             </a:fld>
             <a:r>
               <a:rPr lang="sv-SE" dirty="0" smtClean="0"/>
@@ -1949,7 +1949,7 @@
             <a:fld id="{793AEFA7-59BA-446D-B708-A2D615D75329}" type="datetimeFigureOut">
               <a:rPr lang="sv-SE" smtClean="0"/>
               <a:pPr defTabSz="895350"/>
-              <a:t>2014-06-02</a:t>
+              <a:t>2014-06-18</a:t>
             </a:fld>
             <a:r>
               <a:rPr lang="sv-SE" dirty="0" smtClean="0"/>
@@ -2177,7 +2177,7 @@
             <a:fld id="{793AEFA7-59BA-446D-B708-A2D615D75329}" type="datetimeFigureOut">
               <a:rPr lang="sv-SE" smtClean="0"/>
               <a:pPr defTabSz="895350"/>
-              <a:t>2014-06-02</a:t>
+              <a:t>2014-06-18</a:t>
             </a:fld>
             <a:r>
               <a:rPr lang="sv-SE" dirty="0" smtClean="0"/>
@@ -2572,7 +2572,7 @@
             <a:fld id="{793AEFA7-59BA-446D-B708-A2D615D75329}" type="datetimeFigureOut">
               <a:rPr lang="sv-SE" smtClean="0"/>
               <a:pPr defTabSz="895350"/>
-              <a:t>2014-06-02</a:t>
+              <a:t>2014-06-18</a:t>
             </a:fld>
             <a:r>
               <a:rPr lang="sv-SE" dirty="0" smtClean="0"/>
@@ -3055,7 +3055,7 @@
             <a:fld id="{793AEFA7-59BA-446D-B708-A2D615D75329}" type="datetimeFigureOut">
               <a:rPr lang="sv-SE" smtClean="0"/>
               <a:pPr/>
-              <a:t>2014-06-02</a:t>
+              <a:t>2014-06-18</a:t>
             </a:fld>
             <a:endParaRPr lang="sv-SE" dirty="0"/>
           </a:p>
@@ -3565,7 +3565,7 @@
             <a:fld id="{1557CB54-6EE6-4E9A-A5F4-26576EC193CD}" type="datetimeFigureOut">
               <a:rPr lang="sv-SE" smtClean="0"/>
               <a:pPr/>
-              <a:t>2014-06-02</a:t>
+              <a:t>2014-06-18</a:t>
             </a:fld>
             <a:endParaRPr lang="sv-SE"/>
           </a:p>
@@ -4222,11 +4222,7 @@
                     <a:p>
                       <a:r>
                         <a:rPr lang="en-GB" sz="800" dirty="0" err="1" smtClean="0"/>
-                        <a:t>johan.eltes</a:t>
-                      </a:r>
-                      <a:r>
-                        <a:rPr lang="en-GB" sz="800" dirty="0" err="1" smtClean="0"/>
-                        <a:t>@inera.se</a:t>
+                        <a:t>johan.eltes@inera.se</a:t>
                       </a:r>
                       <a:endParaRPr lang="en-GB" sz="800" dirty="0"/>
                     </a:p>
@@ -4360,13 +4356,80 @@
       </p:sp>
       <p:sp>
         <p:nvSpPr>
-          <p:cNvPr id="5" name="Rektangel 4"/>
+          <p:cNvPr id="21507" name="Rektangel 7"/>
+          <p:cNvSpPr>
+            <a:spLocks noChangeArrowheads="1"/>
+          </p:cNvSpPr>
+          <p:nvPr/>
+        </p:nvSpPr>
+        <p:spPr bwMode="auto">
+          <a:xfrm>
+            <a:off x="971601" y="5723316"/>
+            <a:ext cx="8127488" cy="235444"/>
+          </a:xfrm>
+          <a:prstGeom prst="rect">
+            <a:avLst/>
+          </a:prstGeom>
+          <a:solidFill>
+            <a:srgbClr val="CCFFCC"/>
+          </a:solidFill>
+          <a:ln w="9525">
+            <a:solidFill>
+              <a:srgbClr val="003468"/>
+            </a:solidFill>
+            <a:round/>
+            <a:headEnd/>
+            <a:tailEnd/>
+          </a:ln>
+        </p:spPr>
+        <p:txBody>
+          <a:bodyPr wrap="none" lIns="63898" tIns="31949" rIns="63898" bIns="31949" anchor="ctr"/>
+          <a:lstStyle/>
+          <a:p>
+            <a:pPr eaLnBrk="0" hangingPunct="0">
+              <a:spcBef>
+                <a:spcPct val="50000"/>
+              </a:spcBef>
+            </a:pPr>
+            <a:r>
+              <a:rPr lang="en-GB" sz="1000" dirty="0" err="1" smtClean="0">
+                <a:cs typeface="Geneva" charset="0"/>
+              </a:rPr>
+              <a:t>Källsystem</a:t>
+            </a:r>
+            <a:r>
+              <a:rPr lang="en-GB" sz="1000" dirty="0" smtClean="0">
+                <a:cs typeface="Geneva" charset="0"/>
+              </a:rPr>
+              <a:t>, Journal – </a:t>
+            </a:r>
+            <a:r>
+              <a:rPr lang="en-GB" sz="1000" dirty="0" err="1" smtClean="0">
+                <a:cs typeface="Geneva" charset="0"/>
+              </a:rPr>
+              <a:t>annan</a:t>
+            </a:r>
+            <a:r>
+              <a:rPr lang="en-GB" sz="1000" dirty="0" smtClean="0">
+                <a:cs typeface="Geneva" charset="0"/>
+              </a:rPr>
+              <a:t> VG1</a:t>
+            </a:r>
+            <a:endParaRPr lang="en-GB" sz="1000" dirty="0">
+              <a:cs typeface="Geneva" charset="0"/>
+            </a:endParaRPr>
+          </a:p>
+        </p:txBody>
+      </p:sp>
+      <p:sp>
+        <p:nvSpPr>
+          <p:cNvPr id="23" name="Rektangel 22"/>
           <p:cNvSpPr/>
           <p:nvPr/>
         </p:nvSpPr>
         <p:spPr bwMode="auto">
           <a:xfrm>
-            <a:off x="971600" y="4221088"/>
+            <a:off x="971600" y="4972202"/>
             <a:ext cx="8124317" cy="241023"/>
           </a:xfrm>
           <a:prstGeom prst="rect">
@@ -4400,11 +4463,39 @@
               <a:defRPr/>
             </a:pPr>
             <a:r>
+              <a:rPr lang="en-GB" sz="1000" dirty="0" smtClean="0">
+                <a:latin typeface="Verdana" pitchFamily="34" charset="0"/>
+                <a:ea typeface="Geneva" pitchFamily="1" charset="-128"/>
+              </a:rPr>
+              <a:t>PAS/</a:t>
+            </a:r>
+            <a:r>
               <a:rPr lang="en-GB" sz="1000" dirty="0" err="1" smtClean="0">
                 <a:latin typeface="Verdana" pitchFamily="34" charset="0"/>
                 <a:ea typeface="Geneva" pitchFamily="1" charset="-128"/>
               </a:rPr>
-              <a:t>Engagemangsindex</a:t>
+              <a:t>Remissmodul</a:t>
+            </a:r>
+            <a:r>
+              <a:rPr lang="en-GB" sz="1000" dirty="0" smtClean="0">
+                <a:latin typeface="Verdana" pitchFamily="34" charset="0"/>
+                <a:ea typeface="Geneva" pitchFamily="1" charset="-128"/>
+              </a:rPr>
+              <a:t> – </a:t>
+            </a:r>
+            <a:r>
+              <a:rPr lang="en-GB" sz="1000" dirty="0" err="1" smtClean="0">
+                <a:latin typeface="Verdana" pitchFamily="34" charset="0"/>
+                <a:ea typeface="Geneva" pitchFamily="1" charset="-128"/>
+              </a:rPr>
+              <a:t>egen</a:t>
+            </a:r>
+            <a:r>
+              <a:rPr lang="en-GB" sz="1000" dirty="0" smtClean="0">
+                <a:latin typeface="Verdana" pitchFamily="34" charset="0"/>
+                <a:ea typeface="Geneva" pitchFamily="1" charset="-128"/>
+              </a:rPr>
+              <a:t> VG</a:t>
             </a:r>
             <a:endParaRPr lang="en-GB" sz="1000" dirty="0">
               <a:latin typeface="Verdana" pitchFamily="34" charset="0"/>
@@ -4415,80 +4506,13 @@
       </p:sp>
       <p:sp>
         <p:nvSpPr>
-          <p:cNvPr id="21507" name="Rektangel 7"/>
-          <p:cNvSpPr>
-            <a:spLocks noChangeArrowheads="1"/>
-          </p:cNvSpPr>
-          <p:nvPr/>
-        </p:nvSpPr>
-        <p:spPr bwMode="auto">
-          <a:xfrm>
-            <a:off x="971601" y="5723316"/>
-            <a:ext cx="8127488" cy="235444"/>
-          </a:xfrm>
-          <a:prstGeom prst="rect">
-            <a:avLst/>
-          </a:prstGeom>
-          <a:solidFill>
-            <a:srgbClr val="CCFFCC"/>
-          </a:solidFill>
-          <a:ln w="9525">
-            <a:solidFill>
-              <a:srgbClr val="003468"/>
-            </a:solidFill>
-            <a:round/>
-            <a:headEnd/>
-            <a:tailEnd/>
-          </a:ln>
-        </p:spPr>
-        <p:txBody>
-          <a:bodyPr wrap="none" lIns="63898" tIns="31949" rIns="63898" bIns="31949" anchor="ctr"/>
-          <a:lstStyle/>
-          <a:p>
-            <a:pPr eaLnBrk="0" hangingPunct="0">
-              <a:spcBef>
-                <a:spcPct val="50000"/>
-              </a:spcBef>
-            </a:pPr>
-            <a:r>
-              <a:rPr lang="en-GB" sz="1000" dirty="0" err="1" smtClean="0">
-                <a:cs typeface="Geneva" charset="0"/>
-              </a:rPr>
-              <a:t>Källsystem</a:t>
-            </a:r>
-            <a:r>
-              <a:rPr lang="en-GB" sz="1000" dirty="0" smtClean="0">
-                <a:cs typeface="Geneva" charset="0"/>
-              </a:rPr>
-              <a:t>, Journal – </a:t>
-            </a:r>
-            <a:r>
-              <a:rPr lang="en-GB" sz="1000" dirty="0" err="1" smtClean="0">
-                <a:cs typeface="Geneva" charset="0"/>
-              </a:rPr>
-              <a:t>annan</a:t>
-            </a:r>
-            <a:r>
-              <a:rPr lang="en-GB" sz="1000" dirty="0" smtClean="0">
-                <a:cs typeface="Geneva" charset="0"/>
-              </a:rPr>
-              <a:t> VG1</a:t>
-            </a:r>
-            <a:endParaRPr lang="en-GB" sz="1000" dirty="0">
-              <a:cs typeface="Geneva" charset="0"/>
-            </a:endParaRPr>
-          </a:p>
-        </p:txBody>
-      </p:sp>
-      <p:sp>
-        <p:nvSpPr>
-          <p:cNvPr id="22" name="Rektangel 21"/>
+          <p:cNvPr id="24" name="Rektangel 23"/>
           <p:cNvSpPr/>
           <p:nvPr/>
         </p:nvSpPr>
         <p:spPr bwMode="auto">
           <a:xfrm>
-            <a:off x="971600" y="4596645"/>
+            <a:off x="971600" y="5347759"/>
             <a:ext cx="8124317" cy="241023"/>
           </a:xfrm>
           <a:prstGeom prst="rect">
@@ -4526,144 +4550,6 @@
                 <a:latin typeface="Verdana" pitchFamily="34" charset="0"/>
                 <a:ea typeface="Geneva" pitchFamily="1" charset="-128"/>
               </a:rPr>
-              <a:t>Tjänsteadresseringskatalog</a:t>
-            </a:r>
-            <a:endParaRPr lang="en-GB" sz="1000" dirty="0">
-              <a:latin typeface="Verdana" pitchFamily="34" charset="0"/>
-              <a:ea typeface="Geneva" pitchFamily="1" charset="-128"/>
-            </a:endParaRPr>
-          </a:p>
-        </p:txBody>
-      </p:sp>
-      <p:sp>
-        <p:nvSpPr>
-          <p:cNvPr id="23" name="Rektangel 22"/>
-          <p:cNvSpPr/>
-          <p:nvPr/>
-        </p:nvSpPr>
-        <p:spPr bwMode="auto">
-          <a:xfrm>
-            <a:off x="971600" y="4972202"/>
-            <a:ext cx="8124317" cy="241023"/>
-          </a:xfrm>
-          <a:prstGeom prst="rect">
-            <a:avLst/>
-          </a:prstGeom>
-          <a:solidFill>
-            <a:schemeClr val="accent1">
-              <a:lumMod val="20000"/>
-              <a:lumOff val="80000"/>
-            </a:schemeClr>
-          </a:solidFill>
-          <a:ln w="9525" cap="flat" cmpd="sng" algn="ctr">
-            <a:solidFill>
-              <a:srgbClr val="003468"/>
-            </a:solidFill>
-            <a:prstDash val="solid"/>
-            <a:round/>
-            <a:headEnd type="none" w="med" len="med"/>
-            <a:tailEnd type="none" w="med" len="med"/>
-          </a:ln>
-          <a:effectLst/>
-        </p:spPr>
-        <p:txBody>
-          <a:bodyPr wrap="none" lIns="63898" tIns="31949" rIns="63898" bIns="31949" anchor="ctr"/>
-          <a:lstStyle/>
-          <a:p>
-            <a:pPr eaLnBrk="0" hangingPunct="0">
-              <a:spcBef>
-                <a:spcPct val="50000"/>
-              </a:spcBef>
-              <a:defRPr/>
-            </a:pPr>
-            <a:r>
-              <a:rPr lang="en-GB" sz="1000" dirty="0" smtClean="0">
-                <a:latin typeface="Verdana" pitchFamily="34" charset="0"/>
-                <a:ea typeface="Geneva" pitchFamily="1" charset="-128"/>
-              </a:rPr>
-              <a:t>PAS/</a:t>
-            </a:r>
-            <a:r>
-              <a:rPr lang="en-GB" sz="1000" dirty="0" err="1" smtClean="0">
-                <a:latin typeface="Verdana" pitchFamily="34" charset="0"/>
-                <a:ea typeface="Geneva" pitchFamily="1" charset="-128"/>
-              </a:rPr>
-              <a:t>Remissmodul</a:t>
-            </a:r>
-            <a:r>
-              <a:rPr lang="en-GB" sz="1000" dirty="0" smtClean="0">
-                <a:latin typeface="Verdana" pitchFamily="34" charset="0"/>
-                <a:ea typeface="Geneva" pitchFamily="1" charset="-128"/>
-              </a:rPr>
-              <a:t> – </a:t>
-            </a:r>
-            <a:r>
-              <a:rPr lang="en-GB" sz="1000" dirty="0" err="1" smtClean="0">
-                <a:latin typeface="Verdana" pitchFamily="34" charset="0"/>
-                <a:ea typeface="Geneva" pitchFamily="1" charset="-128"/>
-              </a:rPr>
-              <a:t>egen</a:t>
-            </a:r>
-            <a:r>
-              <a:rPr lang="en-GB" sz="1000" dirty="0" smtClean="0">
-                <a:latin typeface="Verdana" pitchFamily="34" charset="0"/>
-                <a:ea typeface="Geneva" pitchFamily="1" charset="-128"/>
-              </a:rPr>
-              <a:t> VG</a:t>
-            </a:r>
-            <a:endParaRPr lang="en-GB" sz="1000" dirty="0">
-              <a:latin typeface="Verdana" pitchFamily="34" charset="0"/>
-              <a:ea typeface="Geneva" pitchFamily="1" charset="-128"/>
-            </a:endParaRPr>
-          </a:p>
-        </p:txBody>
-      </p:sp>
-      <p:sp>
-        <p:nvSpPr>
-          <p:cNvPr id="24" name="Rektangel 23"/>
-          <p:cNvSpPr/>
-          <p:nvPr/>
-        </p:nvSpPr>
-        <p:spPr bwMode="auto">
-          <a:xfrm>
-            <a:off x="971600" y="5347759"/>
-            <a:ext cx="8124317" cy="241023"/>
-          </a:xfrm>
-          <a:prstGeom prst="rect">
-            <a:avLst/>
-          </a:prstGeom>
-          <a:solidFill>
-            <a:schemeClr val="accent1">
-              <a:lumMod val="20000"/>
-              <a:lumOff val="80000"/>
-            </a:schemeClr>
-          </a:solidFill>
-          <a:ln w="9525" cap="flat" cmpd="sng" algn="ctr">
-            <a:solidFill>
-              <a:srgbClr val="003468"/>
-            </a:solidFill>
-            <a:prstDash val="solid"/>
-            <a:round/>
-            <a:headEnd type="none" w="med" len="med"/>
-            <a:tailEnd type="none" w="med" len="med"/>
-          </a:ln>
-          <a:effectLst/>
-        </p:spPr>
-        <p:txBody>
-          <a:bodyPr wrap="none" lIns="63898" tIns="31949" rIns="63898" bIns="31949" anchor="ctr"/>
-          <a:lstStyle/>
-          <a:p>
-            <a:pPr eaLnBrk="0" hangingPunct="0">
-              <a:spcBef>
-                <a:spcPct val="50000"/>
-              </a:spcBef>
-              <a:defRPr/>
-            </a:pPr>
-            <a:r>
-              <a:rPr lang="en-GB" sz="1000" dirty="0" err="1" smtClean="0">
-                <a:latin typeface="Verdana" pitchFamily="34" charset="0"/>
-                <a:ea typeface="Geneva" pitchFamily="1" charset="-128"/>
-              </a:rPr>
               <a:t>Samtycke</a:t>
             </a:r>
             <a:r>
@@ -4725,7 +4611,7 @@
         </p:nvCxnSpPr>
         <p:spPr bwMode="auto">
           <a:xfrm>
-            <a:off x="3563888" y="1700808"/>
+            <a:off x="3851920" y="1700808"/>
             <a:ext cx="0" cy="3384376"/>
           </a:xfrm>
           <a:prstGeom prst="straightConnector1">
@@ -4759,7 +4645,7 @@
         </p:nvSpPr>
         <p:spPr bwMode="auto">
           <a:xfrm>
-            <a:off x="2699792" y="3429000"/>
+            <a:off x="3275856" y="3429000"/>
             <a:ext cx="1296144" cy="576064"/>
           </a:xfrm>
           <a:prstGeom prst="rect">
@@ -4963,7 +4849,7 @@
         </p:nvCxnSpPr>
         <p:spPr bwMode="auto">
           <a:xfrm>
-            <a:off x="4139952" y="1700808"/>
+            <a:off x="5364088" y="1700808"/>
             <a:ext cx="0" cy="3744416"/>
           </a:xfrm>
           <a:prstGeom prst="straightConnector1">
@@ -4997,7 +4883,7 @@
         </p:nvSpPr>
         <p:spPr bwMode="auto">
           <a:xfrm>
-            <a:off x="3635896" y="2636912"/>
+            <a:off x="4860032" y="2636912"/>
             <a:ext cx="1080120" cy="648072"/>
           </a:xfrm>
           <a:prstGeom prst="rect">
@@ -5164,15 +5050,7 @@
               <a:t>samtycke</a:t>
             </a:r>
             <a:r>
-              <a:rPr lang="en-GB" sz="800" dirty="0" smtClean="0"/>
-              <a:t>, </a:t>
-            </a:r>
-            <a:r>
-              <a:rPr lang="en-GB" sz="800" dirty="0" err="1" smtClean="0"/>
-              <a:t>vårdrelation</a:t>
-            </a:r>
-            <a:r>
-              <a:rPr lang="en-GB" sz="800" dirty="0" smtClean="0"/>
+              <a:rPr lang="en-GB" sz="800" dirty="0"/>
               <a:t> </a:t>
             </a:r>
             <a:r>
@@ -5288,13 +5166,7 @@
               <a:rPr lang="en-GB" sz="1000" dirty="0" err="1" smtClean="0">
                 <a:cs typeface="Geneva" charset="0"/>
               </a:rPr>
-              <a:t>krav</a:t>
-            </a:r>
-            <a:r>
-              <a:rPr lang="en-GB" sz="1000" dirty="0" err="1" smtClean="0">
-                <a:cs typeface="Geneva" charset="0"/>
-              </a:rPr>
-              <a:t>enligt</a:t>
+              <a:t>kravenligt</a:t>
             </a:r>
             <a:r>
               <a:rPr lang="en-GB" sz="1000" dirty="0" smtClean="0">
@@ -5369,13 +5241,7 @@
               <a:rPr lang="en-GB" sz="1000" dirty="0" smtClean="0">
                 <a:cs typeface="Geneva" charset="0"/>
               </a:rPr>
-              <a:t> </a:t>
-            </a:r>
-            <a:r>
-              <a:rPr lang="en-GB" sz="1000" dirty="0" smtClean="0">
-                <a:cs typeface="Geneva" charset="0"/>
-              </a:rPr>
-              <a:t>patient</a:t>
+              <a:t> patient</a:t>
             </a:r>
             <a:endParaRPr lang="en-GB" sz="1000" dirty="0">
               <a:cs typeface="Geneva" charset="0"/>
@@ -5547,11 +5413,7 @@
             </a:r>
             <a:r>
               <a:rPr lang="en-GB" sz="1000" dirty="0" err="1" smtClean="0"/>
-              <a:t>a</a:t>
-            </a:r>
-            <a:r>
-              <a:rPr lang="en-GB" sz="1000" dirty="0" err="1" smtClean="0"/>
-              <a:t>ktiviteter</a:t>
+              <a:t>aktiviteter</a:t>
             </a:r>
             <a:r>
               <a:rPr lang="en-GB" sz="1000" dirty="0" smtClean="0"/>
@@ -5780,459 +5642,6 @@
           </a:fontRef>
         </p:style>
       </p:cxnSp>
-      <p:cxnSp>
-        <p:nvCxnSpPr>
-          <p:cNvPr id="59" name="Rak pil 33"/>
-          <p:cNvCxnSpPr>
-            <a:cxnSpLocks noChangeShapeType="1"/>
-          </p:cNvCxnSpPr>
-          <p:nvPr/>
-        </p:nvCxnSpPr>
-        <p:spPr bwMode="auto">
-          <a:xfrm>
-            <a:off x="4932040" y="1700808"/>
-            <a:ext cx="0" cy="2664296"/>
-          </a:xfrm>
-          <a:prstGeom prst="straightConnector1">
-            <a:avLst/>
-          </a:prstGeom>
-          <a:noFill/>
-          <a:ln w="38100">
-            <a:solidFill>
-              <a:srgbClr val="003468"/>
-            </a:solidFill>
-            <a:round/>
-            <a:headEnd type="triangle" w="med" len="med"/>
-            <a:tailEnd type="oval" w="med" len="med"/>
-          </a:ln>
-          <a:extLst>
-            <a:ext uri="{909E8E84-426E-40dd-AFC4-6F175D3DCCD1}">
-              <a14:hiddenFill xmlns:a14="http://schemas.microsoft.com/office/drawing/2010/main">
-                <a:noFill/>
-              </a14:hiddenFill>
-            </a:ext>
-          </a:extLst>
-        </p:spPr>
-      </p:cxnSp>
-      <p:sp>
-        <p:nvSpPr>
-          <p:cNvPr id="35" name="textruta 32"/>
-          <p:cNvSpPr txBox="1">
-            <a:spLocks noChangeArrowheads="1"/>
-          </p:cNvSpPr>
-          <p:nvPr/>
-        </p:nvSpPr>
-        <p:spPr bwMode="auto">
-          <a:xfrm>
-            <a:off x="4355976" y="3313944"/>
-            <a:ext cx="1152128" cy="432048"/>
-          </a:xfrm>
-          <a:prstGeom prst="rect">
-            <a:avLst/>
-          </a:prstGeom>
-          <a:solidFill>
-            <a:schemeClr val="bg1"/>
-          </a:solidFill>
-          <a:ln w="9525">
-            <a:solidFill>
-              <a:schemeClr val="tx1"/>
-            </a:solidFill>
-            <a:miter lim="800000"/>
-            <a:headEnd/>
-            <a:tailEnd/>
-          </a:ln>
-        </p:spPr>
-        <p:txBody>
-          <a:bodyPr lIns="63898" tIns="31949" rIns="63898" bIns="31949"/>
-          <a:lstStyle>
-            <a:lvl1pPr eaLnBrk="0" hangingPunct="0">
-              <a:defRPr sz="3100">
-                <a:solidFill>
-                  <a:schemeClr val="tx1"/>
-                </a:solidFill>
-                <a:latin typeface="Verdana" charset="0"/>
-                <a:ea typeface="ＭＳ Ｐゴシック" charset="0"/>
-                <a:cs typeface="ＭＳ Ｐゴシック" charset="0"/>
-              </a:defRPr>
-            </a:lvl1pPr>
-            <a:lvl2pPr marL="742950" indent="-285750" eaLnBrk="0" hangingPunct="0">
-              <a:defRPr sz="3100">
-                <a:solidFill>
-                  <a:schemeClr val="tx1"/>
-                </a:solidFill>
-                <a:latin typeface="Verdana" charset="0"/>
-                <a:ea typeface="ＭＳ Ｐゴシック" charset="0"/>
-              </a:defRPr>
-            </a:lvl2pPr>
-            <a:lvl3pPr marL="1143000" indent="-228600" eaLnBrk="0" hangingPunct="0">
-              <a:defRPr sz="3100">
-                <a:solidFill>
-                  <a:schemeClr val="tx1"/>
-                </a:solidFill>
-                <a:latin typeface="Verdana" charset="0"/>
-                <a:ea typeface="ＭＳ Ｐゴシック" charset="0"/>
-              </a:defRPr>
-            </a:lvl3pPr>
-            <a:lvl4pPr marL="1600200" indent="-228600" eaLnBrk="0" hangingPunct="0">
-              <a:defRPr sz="3100">
-                <a:solidFill>
-                  <a:schemeClr val="tx1"/>
-                </a:solidFill>
-                <a:latin typeface="Verdana" charset="0"/>
-                <a:ea typeface="ＭＳ Ｐゴシック" charset="0"/>
-              </a:defRPr>
-            </a:lvl4pPr>
-            <a:lvl5pPr marL="2057400" indent="-228600" eaLnBrk="0" hangingPunct="0">
-              <a:defRPr sz="3100">
-                <a:solidFill>
-                  <a:schemeClr val="tx1"/>
-                </a:solidFill>
-                <a:latin typeface="Verdana" charset="0"/>
-                <a:ea typeface="ＭＳ Ｐゴシック" charset="0"/>
-              </a:defRPr>
-            </a:lvl5pPr>
-            <a:lvl6pPr marL="2514600" indent="-228600" eaLnBrk="0" fontAlgn="base" hangingPunct="0">
-              <a:spcBef>
-                <a:spcPct val="0"/>
-              </a:spcBef>
-              <a:spcAft>
-                <a:spcPct val="0"/>
-              </a:spcAft>
-              <a:defRPr sz="3100">
-                <a:solidFill>
-                  <a:schemeClr val="tx1"/>
-                </a:solidFill>
-                <a:latin typeface="Verdana" charset="0"/>
-                <a:ea typeface="ＭＳ Ｐゴシック" charset="0"/>
-              </a:defRPr>
-            </a:lvl6pPr>
-            <a:lvl7pPr marL="2971800" indent="-228600" eaLnBrk="0" fontAlgn="base" hangingPunct="0">
-              <a:spcBef>
-                <a:spcPct val="0"/>
-              </a:spcBef>
-              <a:spcAft>
-                <a:spcPct val="0"/>
-              </a:spcAft>
-              <a:defRPr sz="3100">
-                <a:solidFill>
-                  <a:schemeClr val="tx1"/>
-                </a:solidFill>
-                <a:latin typeface="Verdana" charset="0"/>
-                <a:ea typeface="ＭＳ Ｐゴシック" charset="0"/>
-              </a:defRPr>
-            </a:lvl7pPr>
-            <a:lvl8pPr marL="3429000" indent="-228600" eaLnBrk="0" fontAlgn="base" hangingPunct="0">
-              <a:spcBef>
-                <a:spcPct val="0"/>
-              </a:spcBef>
-              <a:spcAft>
-                <a:spcPct val="0"/>
-              </a:spcAft>
-              <a:defRPr sz="3100">
-                <a:solidFill>
-                  <a:schemeClr val="tx1"/>
-                </a:solidFill>
-                <a:latin typeface="Verdana" charset="0"/>
-                <a:ea typeface="ＭＳ Ｐゴシック" charset="0"/>
-              </a:defRPr>
-            </a:lvl8pPr>
-            <a:lvl9pPr marL="3886200" indent="-228600" eaLnBrk="0" fontAlgn="base" hangingPunct="0">
-              <a:spcBef>
-                <a:spcPct val="0"/>
-              </a:spcBef>
-              <a:spcAft>
-                <a:spcPct val="0"/>
-              </a:spcAft>
-              <a:defRPr sz="3100">
-                <a:solidFill>
-                  <a:schemeClr val="tx1"/>
-                </a:solidFill>
-                <a:latin typeface="Verdana" charset="0"/>
-                <a:ea typeface="ＭＳ Ｐゴシック" charset="0"/>
-              </a:defRPr>
-            </a:lvl9pPr>
-          </a:lstStyle>
-          <a:p>
-            <a:pPr eaLnBrk="1" hangingPunct="1"/>
-            <a:r>
-              <a:rPr lang="en-GB" sz="800" dirty="0" err="1" smtClean="0"/>
-              <a:t>Begäran</a:t>
-            </a:r>
-            <a:r>
-              <a:rPr lang="en-GB" sz="800" dirty="0" smtClean="0"/>
-              <a:t> </a:t>
-            </a:r>
-            <a:r>
-              <a:rPr lang="en-GB" sz="800" dirty="0" err="1" smtClean="0"/>
-              <a:t>och</a:t>
-            </a:r>
-            <a:r>
-              <a:rPr lang="en-GB" sz="800" dirty="0" smtClean="0"/>
-              <a:t> </a:t>
-            </a:r>
-            <a:r>
-              <a:rPr lang="en-GB" sz="800" dirty="0" err="1" smtClean="0"/>
-              <a:t>svar</a:t>
-            </a:r>
-            <a:r>
-              <a:rPr lang="en-GB" sz="800" dirty="0" smtClean="0"/>
-              <a:t> </a:t>
-            </a:r>
-            <a:r>
-              <a:rPr lang="en-GB" sz="800" dirty="0" err="1" smtClean="0"/>
-              <a:t>om</a:t>
-            </a:r>
-            <a:r>
-              <a:rPr lang="en-GB" sz="800" dirty="0" smtClean="0"/>
-              <a:t> </a:t>
-            </a:r>
-            <a:r>
-              <a:rPr lang="en-GB" sz="800" dirty="0" err="1" smtClean="0"/>
-              <a:t>engagemang</a:t>
-            </a:r>
-            <a:endParaRPr lang="en-GB" sz="800" dirty="0"/>
-          </a:p>
-        </p:txBody>
-      </p:sp>
-      <p:cxnSp>
-        <p:nvCxnSpPr>
-          <p:cNvPr id="62" name="Rak pil 33"/>
-          <p:cNvCxnSpPr>
-            <a:cxnSpLocks noChangeShapeType="1"/>
-            <a:stCxn id="41" idx="2"/>
-          </p:cNvCxnSpPr>
-          <p:nvPr/>
-        </p:nvCxnSpPr>
-        <p:spPr bwMode="auto">
-          <a:xfrm>
-            <a:off x="5573561" y="1677897"/>
-            <a:ext cx="6551" cy="3047247"/>
-          </a:xfrm>
-          <a:prstGeom prst="straightConnector1">
-            <a:avLst/>
-          </a:prstGeom>
-          <a:noFill/>
-          <a:ln w="38100">
-            <a:solidFill>
-              <a:srgbClr val="003468"/>
-            </a:solidFill>
-            <a:round/>
-            <a:headEnd type="triangle" w="med" len="med"/>
-            <a:tailEnd type="oval" w="med" len="med"/>
-          </a:ln>
-          <a:extLst>
-            <a:ext uri="{909E8E84-426E-40dd-AFC4-6F175D3DCCD1}">
-              <a14:hiddenFill xmlns:a14="http://schemas.microsoft.com/office/drawing/2010/main">
-                <a:noFill/>
-              </a14:hiddenFill>
-            </a:ext>
-          </a:extLst>
-        </p:spPr>
-      </p:cxnSp>
-      <p:sp>
-        <p:nvSpPr>
-          <p:cNvPr id="64" name="textruta 32"/>
-          <p:cNvSpPr txBox="1">
-            <a:spLocks noChangeArrowheads="1"/>
-          </p:cNvSpPr>
-          <p:nvPr/>
-        </p:nvSpPr>
-        <p:spPr bwMode="auto">
-          <a:xfrm>
-            <a:off x="5076056" y="2780928"/>
-            <a:ext cx="1584176" cy="432048"/>
-          </a:xfrm>
-          <a:prstGeom prst="rect">
-            <a:avLst/>
-          </a:prstGeom>
-          <a:solidFill>
-            <a:schemeClr val="bg1"/>
-          </a:solidFill>
-          <a:ln w="9525">
-            <a:solidFill>
-              <a:schemeClr val="tx1"/>
-            </a:solidFill>
-            <a:miter lim="800000"/>
-            <a:headEnd/>
-            <a:tailEnd/>
-          </a:ln>
-        </p:spPr>
-        <p:txBody>
-          <a:bodyPr lIns="63898" tIns="31949" rIns="63898" bIns="31949"/>
-          <a:lstStyle>
-            <a:lvl1pPr eaLnBrk="0" hangingPunct="0">
-              <a:defRPr sz="3100">
-                <a:solidFill>
-                  <a:schemeClr val="tx1"/>
-                </a:solidFill>
-                <a:latin typeface="Verdana" charset="0"/>
-                <a:ea typeface="ＭＳ Ｐゴシック" charset="0"/>
-                <a:cs typeface="ＭＳ Ｐゴシック" charset="0"/>
-              </a:defRPr>
-            </a:lvl1pPr>
-            <a:lvl2pPr marL="742950" indent="-285750" eaLnBrk="0" hangingPunct="0">
-              <a:defRPr sz="3100">
-                <a:solidFill>
-                  <a:schemeClr val="tx1"/>
-                </a:solidFill>
-                <a:latin typeface="Verdana" charset="0"/>
-                <a:ea typeface="ＭＳ Ｐゴシック" charset="0"/>
-              </a:defRPr>
-            </a:lvl2pPr>
-            <a:lvl3pPr marL="1143000" indent="-228600" eaLnBrk="0" hangingPunct="0">
-              <a:defRPr sz="3100">
-                <a:solidFill>
-                  <a:schemeClr val="tx1"/>
-                </a:solidFill>
-                <a:latin typeface="Verdana" charset="0"/>
-                <a:ea typeface="ＭＳ Ｐゴシック" charset="0"/>
-              </a:defRPr>
-            </a:lvl3pPr>
-            <a:lvl4pPr marL="1600200" indent="-228600" eaLnBrk="0" hangingPunct="0">
-              <a:defRPr sz="3100">
-                <a:solidFill>
-                  <a:schemeClr val="tx1"/>
-                </a:solidFill>
-                <a:latin typeface="Verdana" charset="0"/>
-                <a:ea typeface="ＭＳ Ｐゴシック" charset="0"/>
-              </a:defRPr>
-            </a:lvl4pPr>
-            <a:lvl5pPr marL="2057400" indent="-228600" eaLnBrk="0" hangingPunct="0">
-              <a:defRPr sz="3100">
-                <a:solidFill>
-                  <a:schemeClr val="tx1"/>
-                </a:solidFill>
-                <a:latin typeface="Verdana" charset="0"/>
-                <a:ea typeface="ＭＳ Ｐゴシック" charset="0"/>
-              </a:defRPr>
-            </a:lvl5pPr>
-            <a:lvl6pPr marL="2514600" indent="-228600" eaLnBrk="0" fontAlgn="base" hangingPunct="0">
-              <a:spcBef>
-                <a:spcPct val="0"/>
-              </a:spcBef>
-              <a:spcAft>
-                <a:spcPct val="0"/>
-              </a:spcAft>
-              <a:defRPr sz="3100">
-                <a:solidFill>
-                  <a:schemeClr val="tx1"/>
-                </a:solidFill>
-                <a:latin typeface="Verdana" charset="0"/>
-                <a:ea typeface="ＭＳ Ｐゴシック" charset="0"/>
-              </a:defRPr>
-            </a:lvl6pPr>
-            <a:lvl7pPr marL="2971800" indent="-228600" eaLnBrk="0" fontAlgn="base" hangingPunct="0">
-              <a:spcBef>
-                <a:spcPct val="0"/>
-              </a:spcBef>
-              <a:spcAft>
-                <a:spcPct val="0"/>
-              </a:spcAft>
-              <a:defRPr sz="3100">
-                <a:solidFill>
-                  <a:schemeClr val="tx1"/>
-                </a:solidFill>
-                <a:latin typeface="Verdana" charset="0"/>
-                <a:ea typeface="ＭＳ Ｐゴシック" charset="0"/>
-              </a:defRPr>
-            </a:lvl7pPr>
-            <a:lvl8pPr marL="3429000" indent="-228600" eaLnBrk="0" fontAlgn="base" hangingPunct="0">
-              <a:spcBef>
-                <a:spcPct val="0"/>
-              </a:spcBef>
-              <a:spcAft>
-                <a:spcPct val="0"/>
-              </a:spcAft>
-              <a:defRPr sz="3100">
-                <a:solidFill>
-                  <a:schemeClr val="tx1"/>
-                </a:solidFill>
-                <a:latin typeface="Verdana" charset="0"/>
-                <a:ea typeface="ＭＳ Ｐゴシック" charset="0"/>
-              </a:defRPr>
-            </a:lvl8pPr>
-            <a:lvl9pPr marL="3886200" indent="-228600" eaLnBrk="0" fontAlgn="base" hangingPunct="0">
-              <a:spcBef>
-                <a:spcPct val="0"/>
-              </a:spcBef>
-              <a:spcAft>
-                <a:spcPct val="0"/>
-              </a:spcAft>
-              <a:defRPr sz="3100">
-                <a:solidFill>
-                  <a:schemeClr val="tx1"/>
-                </a:solidFill>
-                <a:latin typeface="Verdana" charset="0"/>
-                <a:ea typeface="ＭＳ Ｐゴシック" charset="0"/>
-              </a:defRPr>
-            </a:lvl9pPr>
-          </a:lstStyle>
-          <a:p>
-            <a:pPr eaLnBrk="1" hangingPunct="1"/>
-            <a:r>
-              <a:rPr lang="en-GB" sz="800" dirty="0" err="1" smtClean="0"/>
-              <a:t>Begäran</a:t>
-            </a:r>
-            <a:r>
-              <a:rPr lang="en-GB" sz="800" dirty="0" smtClean="0"/>
-              <a:t> </a:t>
-            </a:r>
-            <a:r>
-              <a:rPr lang="en-GB" sz="800" dirty="0" err="1" smtClean="0"/>
-              <a:t>och</a:t>
-            </a:r>
-            <a:r>
-              <a:rPr lang="en-GB" sz="800" dirty="0" smtClean="0"/>
-              <a:t> </a:t>
-            </a:r>
-            <a:r>
-              <a:rPr lang="en-GB" sz="800" dirty="0" err="1" smtClean="0"/>
-              <a:t>svar</a:t>
-            </a:r>
-            <a:r>
-              <a:rPr lang="en-GB" sz="800" dirty="0" smtClean="0"/>
-              <a:t> </a:t>
-            </a:r>
-            <a:r>
-              <a:rPr lang="en-GB" sz="800" dirty="0" err="1" smtClean="0"/>
-              <a:t>om</a:t>
-            </a:r>
-            <a:r>
-              <a:rPr lang="en-GB" sz="800" dirty="0" smtClean="0"/>
-              <a:t> </a:t>
-            </a:r>
-            <a:r>
-              <a:rPr lang="en-GB" sz="800" dirty="0" err="1" smtClean="0"/>
-              <a:t>tjänsteproducenter</a:t>
-            </a:r>
-            <a:r>
-              <a:rPr lang="en-GB" sz="800" dirty="0" smtClean="0"/>
-              <a:t> </a:t>
-            </a:r>
-            <a:r>
-              <a:rPr lang="en-GB" sz="800" dirty="0" err="1" smtClean="0"/>
-              <a:t>för</a:t>
-            </a:r>
-            <a:r>
-              <a:rPr lang="en-GB" sz="800" dirty="0" smtClean="0"/>
-              <a:t> </a:t>
-            </a:r>
-            <a:r>
-              <a:rPr lang="en-GB" sz="800" dirty="0" err="1" smtClean="0"/>
-              <a:t>källsystem</a:t>
-            </a:r>
-            <a:r>
-              <a:rPr lang="en-GB" sz="800" dirty="0" smtClean="0"/>
-              <a:t> med </a:t>
-            </a:r>
-            <a:r>
-              <a:rPr lang="en-GB" sz="800" dirty="0" err="1" smtClean="0"/>
-              <a:t>indexposter</a:t>
-            </a:r>
-            <a:endParaRPr lang="en-GB" sz="800" dirty="0"/>
-          </a:p>
-        </p:txBody>
-      </p:sp>
       <p:cxnSp>
         <p:nvCxnSpPr>
           <p:cNvPr id="68" name="Rak pil 33"/>
@@ -6880,7 +6289,7 @@
             <a:fld id="{793AEFA7-59BA-446D-B708-A2D615D75329}" type="datetimeFigureOut">
               <a:rPr lang="sv-SE" smtClean="0"/>
               <a:pPr defTabSz="895350"/>
-              <a:t>2014-06-03</a:t>
+              <a:t>2014-06-18</a:t>
             </a:fld>
             <a:r>
               <a:rPr lang="sv-SE" smtClean="0"/>
@@ -7066,7 +6475,7 @@
         <p:spPr>
           <a:xfrm>
             <a:off x="899592" y="2276872"/>
-            <a:ext cx="6480720" cy="1512168"/>
+            <a:ext cx="5184576" cy="1512168"/>
           </a:xfrm>
           <a:prstGeom prst="rect">
             <a:avLst/>
@@ -7529,7 +6938,7 @@
         </p:nvSpPr>
         <p:spPr>
           <a:xfrm>
-            <a:off x="6228184" y="3527172"/>
+            <a:off x="6444208" y="3429000"/>
             <a:ext cx="1080120" cy="368686"/>
           </a:xfrm>
           <a:prstGeom prst="rect">
@@ -7671,102 +7080,6 @@
           </a:p>
         </p:txBody>
       </p:sp>
-      <p:sp>
-        <p:nvSpPr>
-          <p:cNvPr id="64" name="Rektangel 63"/>
-          <p:cNvSpPr/>
-          <p:nvPr/>
-        </p:nvSpPr>
-        <p:spPr>
-          <a:xfrm>
-            <a:off x="5364088" y="3284984"/>
-            <a:ext cx="1872208" cy="216024"/>
-          </a:xfrm>
-          <a:prstGeom prst="rect">
-            <a:avLst/>
-          </a:prstGeom>
-          <a:solidFill>
-            <a:schemeClr val="bg1">
-              <a:lumMod val="85000"/>
-            </a:schemeClr>
-          </a:solidFill>
-          <a:ln>
-            <a:solidFill>
-              <a:schemeClr val="tx1"/>
-            </a:solidFill>
-          </a:ln>
-          <a:effectLst/>
-        </p:spPr>
-        <p:style>
-          <a:lnRef idx="1">
-            <a:schemeClr val="accent1"/>
-          </a:lnRef>
-          <a:fillRef idx="3">
-            <a:schemeClr val="accent1"/>
-          </a:fillRef>
-          <a:effectRef idx="2">
-            <a:schemeClr val="accent1"/>
-          </a:effectRef>
-          <a:fontRef idx="minor">
-            <a:schemeClr val="lt1"/>
-          </a:fontRef>
-        </p:style>
-        <p:txBody>
-          <a:bodyPr rtlCol="0" anchor="ctr"/>
-          <a:lstStyle/>
-          <a:p>
-            <a:pPr algn="ctr"/>
-            <a:r>
-              <a:rPr lang="en-GB" sz="1400" dirty="0" err="1" smtClean="0">
-                <a:solidFill>
-                  <a:schemeClr val="tx1"/>
-                </a:solidFill>
-              </a:rPr>
-              <a:t>Tjänsteaddr.katalog</a:t>
-            </a:r>
-            <a:endParaRPr lang="en-GB" sz="1400" dirty="0">
-              <a:solidFill>
-                <a:schemeClr val="tx1"/>
-              </a:solidFill>
-            </a:endParaRPr>
-          </a:p>
-        </p:txBody>
-      </p:sp>
-      <p:cxnSp>
-        <p:nvCxnSpPr>
-          <p:cNvPr id="69" name="Rak 68"/>
-          <p:cNvCxnSpPr/>
-          <p:nvPr/>
-        </p:nvCxnSpPr>
-        <p:spPr>
-          <a:xfrm>
-            <a:off x="3131840" y="3390416"/>
-            <a:ext cx="2232248" cy="0"/>
-          </a:xfrm>
-          <a:prstGeom prst="line">
-            <a:avLst/>
-          </a:prstGeom>
-          <a:ln>
-            <a:solidFill>
-              <a:srgbClr val="000000"/>
-            </a:solidFill>
-          </a:ln>
-        </p:spPr>
-        <p:style>
-          <a:lnRef idx="2">
-            <a:schemeClr val="accent1"/>
-          </a:lnRef>
-          <a:fillRef idx="0">
-            <a:schemeClr val="accent1"/>
-          </a:fillRef>
-          <a:effectRef idx="1">
-            <a:schemeClr val="accent1"/>
-          </a:effectRef>
-          <a:fontRef idx="minor">
-            <a:schemeClr val="tx1"/>
-          </a:fontRef>
-        </p:style>
-      </p:cxnSp>
       <p:sp>
         <p:nvSpPr>
           <p:cNvPr id="78" name="Ellips 84"/>
@@ -8213,105 +7526,6 @@
       </p:sp>
       <p:sp>
         <p:nvSpPr>
-          <p:cNvPr id="92" name="Rektangel 91"/>
-          <p:cNvSpPr/>
-          <p:nvPr/>
-        </p:nvSpPr>
-        <p:spPr>
-          <a:xfrm>
-            <a:off x="5364088" y="2847776"/>
-            <a:ext cx="1872208" cy="360040"/>
-          </a:xfrm>
-          <a:prstGeom prst="rect">
-            <a:avLst/>
-          </a:prstGeom>
-          <a:solidFill>
-            <a:schemeClr val="bg1">
-              <a:lumMod val="85000"/>
-            </a:schemeClr>
-          </a:solidFill>
-          <a:ln>
-            <a:solidFill>
-              <a:schemeClr val="tx1"/>
-            </a:solidFill>
-          </a:ln>
-          <a:effectLst/>
-        </p:spPr>
-        <p:style>
-          <a:lnRef idx="1">
-            <a:schemeClr val="accent1"/>
-          </a:lnRef>
-          <a:fillRef idx="3">
-            <a:schemeClr val="accent1"/>
-          </a:fillRef>
-          <a:effectRef idx="2">
-            <a:schemeClr val="accent1"/>
-          </a:effectRef>
-          <a:fontRef idx="minor">
-            <a:schemeClr val="lt1"/>
-          </a:fontRef>
-        </p:style>
-        <p:txBody>
-          <a:bodyPr rtlCol="0" anchor="ctr"/>
-          <a:lstStyle/>
-          <a:p>
-            <a:pPr algn="ctr"/>
-            <a:r>
-              <a:rPr lang="en-GB" sz="1400" dirty="0" err="1" smtClean="0">
-                <a:solidFill>
-                  <a:schemeClr val="tx1"/>
-                </a:solidFill>
-              </a:rPr>
-              <a:t>Engagemangsindex</a:t>
-            </a:r>
-            <a:endParaRPr lang="en-GB" sz="1400" dirty="0">
-              <a:solidFill>
-                <a:schemeClr val="tx1"/>
-              </a:solidFill>
-            </a:endParaRPr>
-          </a:p>
-        </p:txBody>
-      </p:sp>
-      <p:cxnSp>
-        <p:nvCxnSpPr>
-          <p:cNvPr id="93" name="Rak 92"/>
-          <p:cNvCxnSpPr>
-            <a:stCxn id="91" idx="3"/>
-            <a:endCxn id="92" idx="1"/>
-          </p:cNvCxnSpPr>
-          <p:nvPr/>
-        </p:nvCxnSpPr>
-        <p:spPr>
-          <a:xfrm>
-            <a:off x="5220072" y="3027796"/>
-            <a:ext cx="144016" cy="0"/>
-          </a:xfrm>
-          <a:prstGeom prst="line">
-            <a:avLst/>
-          </a:prstGeom>
-          <a:ln>
-            <a:solidFill>
-              <a:srgbClr val="000000"/>
-            </a:solidFill>
-          </a:ln>
-        </p:spPr>
-        <p:style>
-          <a:lnRef idx="2">
-            <a:schemeClr val="accent1"/>
-          </a:lnRef>
-          <a:fillRef idx="0">
-            <a:schemeClr val="accent1"/>
-          </a:fillRef>
-          <a:effectRef idx="1">
-            <a:schemeClr val="accent1"/>
-          </a:effectRef>
-          <a:fontRef idx="minor">
-            <a:schemeClr val="tx1"/>
-          </a:fontRef>
-        </p:style>
-      </p:cxnSp>
-      <p:sp>
-        <p:nvSpPr>
           <p:cNvPr id="94" name="Rektangel 93"/>
           <p:cNvSpPr/>
           <p:nvPr/>
@@ -8614,9 +7828,6 @@
               </a:rPr>
               <a:t>P</a:t>
             </a:r>
-            <a:endParaRPr lang="en-GB" sz="1000" b="1" dirty="0">
-              <a:cs typeface="Geneva" charset="0"/>
-            </a:endParaRPr>
           </a:p>
         </p:txBody>
       </p:sp>
@@ -8666,9 +7877,6 @@
               </a:rPr>
               <a:t>P</a:t>
             </a:r>
-            <a:endParaRPr lang="en-GB" sz="1000" b="1" dirty="0">
-              <a:cs typeface="Geneva" charset="0"/>
-            </a:endParaRPr>
           </a:p>
         </p:txBody>
       </p:sp>
@@ -8718,9 +7926,6 @@
               </a:rPr>
               <a:t>P</a:t>
             </a:r>
-            <a:endParaRPr lang="en-GB" sz="1000" b="1" dirty="0">
-              <a:cs typeface="Geneva" charset="0"/>
-            </a:endParaRPr>
           </a:p>
         </p:txBody>
       </p:sp>
@@ -8770,9 +7975,6 @@
               </a:rPr>
               <a:t>P</a:t>
             </a:r>
-            <a:endParaRPr lang="en-GB" sz="1000" b="1" dirty="0">
-              <a:cs typeface="Geneva" charset="0"/>
-            </a:endParaRPr>
           </a:p>
         </p:txBody>
       </p:sp>
@@ -8822,9 +8024,6 @@
               </a:rPr>
               <a:t>P</a:t>
             </a:r>
-            <a:endParaRPr lang="en-GB" sz="1000" b="1" dirty="0">
-              <a:cs typeface="Geneva" charset="0"/>
-            </a:endParaRPr>
           </a:p>
         </p:txBody>
       </p:sp>
@@ -8936,7 +8135,7 @@
             <a:fld id="{793AEFA7-59BA-446D-B708-A2D615D75329}" type="datetimeFigureOut">
               <a:rPr lang="sv-SE" smtClean="0"/>
               <a:pPr defTabSz="895350"/>
-              <a:t>2014-06-02</a:t>
+              <a:t>2014-06-18</a:t>
             </a:fld>
             <a:r>
               <a:rPr lang="sv-SE" smtClean="0"/>
@@ -10738,7 +9937,7 @@
             <a:fld id="{793AEFA7-59BA-446D-B708-A2D615D75329}" type="datetimeFigureOut">
               <a:rPr lang="sv-SE" smtClean="0"/>
               <a:pPr defTabSz="895350"/>
-              <a:t>2014-06-02</a:t>
+              <a:t>2014-06-18</a:t>
             </a:fld>
             <a:r>
               <a:rPr lang="sv-SE" smtClean="0"/>
@@ -13132,7 +12331,7 @@
             <a:fld id="{793AEFA7-59BA-446D-B708-A2D615D75329}" type="datetimeFigureOut">
               <a:rPr lang="sv-SE" smtClean="0"/>
               <a:pPr defTabSz="895350"/>
-              <a:t>2014-06-02</a:t>
+              <a:t>2014-06-18</a:t>
             </a:fld>
             <a:r>
               <a:rPr lang="sv-SE" smtClean="0"/>
